--- a/path_planning/random_sampling/rrt/rrt.pptx
+++ b/path_planning/random_sampling/rrt/rrt.pptx
@@ -210,7 +210,7 @@
           <a:p>
             <a:fld id="{C05D3741-4BF1-4174-BB12-98FD157D24BE}" type="datetimeFigureOut">
               <a:rPr kumimoji="1" lang="ja-JP" altLang="en-US" smtClean="0"/>
-              <a:t>2020/9/13</a:t>
+              <a:t>2020/9/14</a:t>
             </a:fld>
             <a:endParaRPr kumimoji="1" lang="ja-JP" altLang="en-US"/>
           </a:p>
@@ -375,7 +375,7 @@
           <a:p>
             <a:fld id="{4133F667-6584-408D-AD7E-D18D0869DE33}" type="datetimeFigureOut">
               <a:rPr kumimoji="1" lang="ja-JP" altLang="en-US" smtClean="0"/>
-              <a:t>2020/9/13</a:t>
+              <a:t>2020/9/14</a:t>
             </a:fld>
             <a:endParaRPr kumimoji="1" lang="ja-JP" altLang="en-US"/>
           </a:p>
@@ -1141,7 +1141,7 @@
           <a:p>
             <a:fld id="{58A231F8-05F8-4D04-8D8F-8D36F813C960}" type="datetime1">
               <a:rPr kumimoji="1" lang="ja-JP" altLang="en-US" smtClean="0"/>
-              <a:t>2020/9/13</a:t>
+              <a:t>2020/9/14</a:t>
             </a:fld>
             <a:endParaRPr kumimoji="1" lang="ja-JP" altLang="en-US" dirty="0"/>
           </a:p>
@@ -1629,7 +1629,7 @@
           <a:p>
             <a:fld id="{2EA862FE-B9D9-42A4-9B96-9BF43C1C92F4}" type="datetime1">
               <a:rPr kumimoji="1" lang="ja-JP" altLang="en-US" smtClean="0"/>
-              <a:t>2020/9/13</a:t>
+              <a:t>2020/9/14</a:t>
             </a:fld>
             <a:endParaRPr kumimoji="1" lang="ja-JP" altLang="en-US"/>
           </a:p>
@@ -1918,7 +1918,7 @@
           <a:p>
             <a:fld id="{7EAA7B6B-D7DB-4F50-8363-5CAEA241D462}" type="datetime1">
               <a:rPr kumimoji="1" lang="ja-JP" altLang="en-US" smtClean="0"/>
-              <a:t>2020/9/13</a:t>
+              <a:t>2020/9/14</a:t>
             </a:fld>
             <a:endParaRPr kumimoji="1" lang="ja-JP" altLang="en-US"/>
           </a:p>
@@ -2180,7 +2180,7 @@
           <a:p>
             <a:fld id="{575A211C-F59B-4698-A055-613DBD159966}" type="datetime1">
               <a:rPr kumimoji="1" lang="ja-JP" altLang="en-US" smtClean="0"/>
-              <a:t>2020/9/13</a:t>
+              <a:t>2020/9/14</a:t>
             </a:fld>
             <a:endParaRPr kumimoji="1" lang="ja-JP" altLang="en-US"/>
           </a:p>
@@ -2447,7 +2447,7 @@
           <a:p>
             <a:fld id="{6C64430C-D7C9-451F-BB5A-4067700317EA}" type="datetime1">
               <a:rPr kumimoji="1" lang="ja-JP" altLang="en-US" smtClean="0"/>
-              <a:t>2020/9/13</a:t>
+              <a:t>2020/9/14</a:t>
             </a:fld>
             <a:endParaRPr kumimoji="1" lang="ja-JP" altLang="en-US"/>
           </a:p>
@@ -2818,7 +2818,7 @@
           <a:p>
             <a:fld id="{3BA0A93C-43D0-4C25-A999-C90A412EB384}" type="datetime1">
               <a:rPr kumimoji="1" lang="ja-JP" altLang="en-US" smtClean="0"/>
-              <a:t>2020/9/13</a:t>
+              <a:t>2020/9/14</a:t>
             </a:fld>
             <a:endParaRPr kumimoji="1" lang="ja-JP" altLang="en-US"/>
           </a:p>
@@ -3343,7 +3343,7 @@
           <a:p>
             <a:fld id="{17080468-DCD8-4552-92F2-26A66A1920AE}" type="datetime1">
               <a:rPr kumimoji="1" lang="ja-JP" altLang="en-US" smtClean="0"/>
-              <a:t>2020/9/13</a:t>
+              <a:t>2020/9/14</a:t>
             </a:fld>
             <a:endParaRPr kumimoji="1" lang="ja-JP" altLang="en-US"/>
           </a:p>
@@ -3709,7 +3709,7 @@
           <a:p>
             <a:fld id="{CF0BF97F-6A36-45BD-B261-185AD2EFD4F1}" type="datetime1">
               <a:rPr kumimoji="1" lang="ja-JP" altLang="en-US" smtClean="0"/>
-              <a:t>2020/9/13</a:t>
+              <a:t>2020/9/14</a:t>
             </a:fld>
             <a:endParaRPr kumimoji="1" lang="ja-JP" altLang="en-US"/>
           </a:p>
@@ -4195,7 +4195,7 @@
           <a:p>
             <a:fld id="{E187A37F-063B-4BF2-AE47-16D6CC460300}" type="datetime1">
               <a:rPr kumimoji="1" lang="ja-JP" altLang="en-US" smtClean="0"/>
-              <a:t>2020/9/13</a:t>
+              <a:t>2020/9/14</a:t>
             </a:fld>
             <a:endParaRPr kumimoji="1" lang="ja-JP" altLang="en-US"/>
           </a:p>
@@ -4290,7 +4290,7 @@
           <a:p>
             <a:fld id="{37A6803A-338A-4D1E-9AEA-3938A412C9D0}" type="datetime1">
               <a:rPr kumimoji="1" lang="ja-JP" altLang="en-US" smtClean="0"/>
-              <a:t>2020/9/13</a:t>
+              <a:t>2020/9/14</a:t>
             </a:fld>
             <a:endParaRPr kumimoji="1" lang="ja-JP" altLang="en-US"/>
           </a:p>
@@ -4452,7 +4452,7 @@
           <a:p>
             <a:fld id="{176F41DB-9FE4-4BC2-AA18-F04C127911AB}" type="datetime1">
               <a:rPr kumimoji="1" lang="ja-JP" altLang="en-US" smtClean="0"/>
-              <a:t>2020/9/13</a:t>
+              <a:t>2020/9/14</a:t>
             </a:fld>
             <a:endParaRPr kumimoji="1" lang="ja-JP" altLang="en-US"/>
           </a:p>
@@ -4547,7 +4547,7 @@
           <a:p>
             <a:fld id="{176F41DB-9FE4-4BC2-AA18-F04C127911AB}" type="datetime1">
               <a:rPr kumimoji="1" lang="ja-JP" altLang="en-US" smtClean="0"/>
-              <a:t>2020/9/13</a:t>
+              <a:t>2020/9/14</a:t>
             </a:fld>
             <a:endParaRPr kumimoji="1" lang="ja-JP" altLang="en-US"/>
           </a:p>
@@ -4856,7 +4856,7 @@
           <a:p>
             <a:fld id="{DB38D941-B664-458C-B9FE-B4BFA20B7DB2}" type="datetime1">
               <a:rPr kumimoji="1" lang="ja-JP" altLang="en-US" smtClean="0"/>
-              <a:t>2020/9/13</a:t>
+              <a:t>2020/9/14</a:t>
             </a:fld>
             <a:endParaRPr kumimoji="1" lang="ja-JP" altLang="en-US"/>
           </a:p>
@@ -5568,8 +5568,8 @@
           </a:p>
         </p:txBody>
       </p:sp>
-      <mc:AlternateContent xmlns:mc="http://schemas.openxmlformats.org/markup-compatibility/2006">
-        <mc:Choice xmlns:a14="http://schemas.microsoft.com/office/drawing/2010/main" Requires="a14">
+      <mc:AlternateContent xmlns:mc="http://schemas.openxmlformats.org/markup-compatibility/2006" xmlns:a14="http://schemas.microsoft.com/office/drawing/2010/main">
+        <mc:Choice Requires="a14">
           <p:sp>
             <p:nvSpPr>
               <p:cNvPr id="10" name="正方形/長方形 9">
@@ -5607,17 +5607,17 @@
                       <m:sSub>
                         <m:sSubPr>
                           <m:ctrlPr>
-                            <a:rPr lang="en-US" altLang="ja-JP" b="1">
+                            <a:rPr lang="en-US" altLang="ja-JP" b="1" i="1" smtClean="0">
                               <a:latin typeface="Cambria Math" panose="02040503050406030204" pitchFamily="18" charset="0"/>
                             </a:rPr>
                           </m:ctrlPr>
                         </m:sSubPr>
                         <m:e>
                           <m:r>
-                            <a:rPr lang="en-US" altLang="ja-JP" b="1" i="0">
+                            <a:rPr lang="en-US" altLang="ja-JP" b="1" i="0" smtClean="0">
                               <a:latin typeface="Cambria Math" panose="02040503050406030204" pitchFamily="18" charset="0"/>
                             </a:rPr>
-                            <m:t>𝐪</m:t>
+                            <m:t>𝐩</m:t>
                           </m:r>
                         </m:e>
                         <m:sub>
@@ -5637,7 +5637,7 @@
             </p:txBody>
           </p:sp>
         </mc:Choice>
-        <mc:Fallback>
+        <mc:Fallback xmlns="">
           <p:sp>
             <p:nvSpPr>
               <p:cNvPr id="10" name="正方形/長方形 9">
@@ -5738,8 +5738,8 @@
           </a:p>
         </p:txBody>
       </p:sp>
-      <mc:AlternateContent xmlns:mc="http://schemas.openxmlformats.org/markup-compatibility/2006">
-        <mc:Choice xmlns:a14="http://schemas.microsoft.com/office/drawing/2010/main" Requires="a14">
+      <mc:AlternateContent xmlns:mc="http://schemas.openxmlformats.org/markup-compatibility/2006" xmlns:a14="http://schemas.microsoft.com/office/drawing/2010/main">
+        <mc:Choice Requires="a14">
           <p:sp>
             <p:nvSpPr>
               <p:cNvPr id="12" name="正方形/長方形 11">
@@ -5755,7 +5755,7 @@
             <p:spPr>
               <a:xfrm>
                 <a:off x="2972432" y="4999866"/>
-                <a:ext cx="1135119" cy="369332"/>
+                <a:ext cx="1180003" cy="369332"/>
               </a:xfrm>
               <a:prstGeom prst="rect">
                 <a:avLst/>
@@ -5772,17 +5772,17 @@
                     <m:sSub>
                       <m:sSubPr>
                         <m:ctrlPr>
-                          <a:rPr lang="en-US" altLang="ja-JP" b="1" smtClean="0">
+                          <a:rPr lang="en-US" altLang="ja-JP" b="1" i="1" smtClean="0">
                             <a:latin typeface="Cambria Math" panose="02040503050406030204" pitchFamily="18" charset="0"/>
                           </a:rPr>
                         </m:ctrlPr>
                       </m:sSubPr>
                       <m:e>
                         <m:r>
-                          <a:rPr lang="en-US" altLang="ja-JP" b="1" i="0">
+                          <a:rPr lang="en-US" altLang="ja-JP" b="1" i="0" smtClean="0">
                             <a:latin typeface="Cambria Math" panose="02040503050406030204" pitchFamily="18" charset="0"/>
                           </a:rPr>
-                          <m:t>𝐪</m:t>
+                          <m:t>𝐩</m:t>
                         </m:r>
                       </m:e>
                       <m:sub>
@@ -5805,7 +5805,7 @@
                     <m:sSub>
                       <m:sSubPr>
                         <m:ctrlPr>
-                          <a:rPr lang="en-US" altLang="ja-JP" b="1" dirty="0" smtClean="0">
+                          <a:rPr lang="en-US" altLang="ja-JP" b="1" i="1" dirty="0" smtClean="0">
                             <a:latin typeface="Cambria Math" panose="02040503050406030204" pitchFamily="18" charset="0"/>
                           </a:rPr>
                         </m:ctrlPr>
@@ -5815,7 +5815,7 @@
                           <a:rPr lang="en-US" altLang="ja-JP" b="1" i="0" dirty="0" smtClean="0">
                             <a:latin typeface="Cambria Math" panose="02040503050406030204" pitchFamily="18" charset="0"/>
                           </a:rPr>
-                          <m:t>𝐪</m:t>
+                          <m:t>𝐩</m:t>
                         </m:r>
                       </m:e>
                       <m:sub>
@@ -5838,7 +5838,7 @@
             </p:txBody>
           </p:sp>
         </mc:Choice>
-        <mc:Fallback>
+        <mc:Fallback xmlns="">
           <p:sp>
             <p:nvSpPr>
               <p:cNvPr id="12" name="正方形/長方形 11">
@@ -5856,7 +5856,7 @@
             <p:spPr>
               <a:xfrm>
                 <a:off x="2972432" y="4999866"/>
-                <a:ext cx="1135119" cy="369332"/>
+                <a:ext cx="1180003" cy="369332"/>
               </a:xfrm>
               <a:prstGeom prst="rect">
                 <a:avLst/>
@@ -5864,7 +5864,7 @@
               <a:blipFill>
                 <a:blip r:embed="rId3"/>
                 <a:stretch>
-                  <a:fillRect t="-6557" r="-3763" b="-26230"/>
+                  <a:fillRect t="-6557" b="-26230"/>
                 </a:stretch>
               </a:blipFill>
             </p:spPr>
@@ -6645,8 +6645,8 @@
           </a:p>
         </p:txBody>
       </p:sp>
-      <mc:AlternateContent xmlns:mc="http://schemas.openxmlformats.org/markup-compatibility/2006">
-        <mc:Choice xmlns:a14="http://schemas.microsoft.com/office/drawing/2010/main" Requires="a14">
+      <mc:AlternateContent xmlns:mc="http://schemas.openxmlformats.org/markup-compatibility/2006" xmlns:a14="http://schemas.microsoft.com/office/drawing/2010/main">
+        <mc:Choice Requires="a14">
           <p:sp>
             <p:nvSpPr>
               <p:cNvPr id="9" name="正方形/長方形 8">
@@ -6684,17 +6684,17 @@
                       <m:sSub>
                         <m:sSubPr>
                           <m:ctrlPr>
-                            <a:rPr lang="en-US" altLang="ja-JP" b="1">
+                            <a:rPr lang="en-US" altLang="ja-JP" b="1" i="1" smtClean="0">
                               <a:latin typeface="Cambria Math" panose="02040503050406030204" pitchFamily="18" charset="0"/>
                             </a:rPr>
                           </m:ctrlPr>
                         </m:sSubPr>
                         <m:e>
                           <m:r>
-                            <a:rPr lang="en-US" altLang="ja-JP" b="1" i="0">
+                            <a:rPr lang="en-US" altLang="ja-JP" b="1" i="0" smtClean="0">
                               <a:latin typeface="Cambria Math" panose="02040503050406030204" pitchFamily="18" charset="0"/>
                             </a:rPr>
-                            <m:t>𝐪</m:t>
+                            <m:t>𝐩</m:t>
                           </m:r>
                         </m:e>
                         <m:sub>
@@ -6714,7 +6714,7 @@
             </p:txBody>
           </p:sp>
         </mc:Choice>
-        <mc:Fallback>
+        <mc:Fallback xmlns="">
           <p:sp>
             <p:nvSpPr>
               <p:cNvPr id="9" name="正方形/長方形 8">
@@ -7113,8 +7113,8 @@
           </a:p>
         </p:txBody>
       </p:sp>
-      <mc:AlternateContent xmlns:mc="http://schemas.openxmlformats.org/markup-compatibility/2006">
-        <mc:Choice xmlns:a14="http://schemas.microsoft.com/office/drawing/2010/main" Requires="a14">
+      <mc:AlternateContent xmlns:mc="http://schemas.openxmlformats.org/markup-compatibility/2006" xmlns:a14="http://schemas.microsoft.com/office/drawing/2010/main">
+        <mc:Choice Requires="a14">
           <p:sp>
             <p:nvSpPr>
               <p:cNvPr id="17" name="テキスト ボックス 16">
@@ -7153,7 +7153,7 @@
                       <m:sSub>
                         <m:sSubPr>
                           <m:ctrlPr>
-                            <a:rPr kumimoji="1" lang="en-US" altLang="ja-JP" b="1" smtClean="0">
+                            <a:rPr kumimoji="1" lang="en-US" altLang="ja-JP" b="1" i="1" smtClean="0">
                               <a:latin typeface="Cambria Math" panose="02040503050406030204" pitchFamily="18" charset="0"/>
                             </a:rPr>
                           </m:ctrlPr>
@@ -7163,7 +7163,7 @@
                             <a:rPr kumimoji="1" lang="en-US" altLang="ja-JP" b="1" i="0" smtClean="0">
                               <a:latin typeface="Cambria Math" panose="02040503050406030204" pitchFamily="18" charset="0"/>
                             </a:rPr>
-                            <m:t>𝐪</m:t>
+                            <m:t>𝐩</m:t>
                           </m:r>
                         </m:e>
                         <m:sub>
@@ -7183,7 +7183,7 @@
             </p:txBody>
           </p:sp>
         </mc:Choice>
-        <mc:Fallback>
+        <mc:Fallback xmlns="">
           <p:sp>
             <p:nvSpPr>
               <p:cNvPr id="17" name="テキスト ボックス 16">
@@ -7209,7 +7209,7 @@
               <a:blipFill>
                 <a:blip r:embed="rId3"/>
                 <a:stretch>
-                  <a:fillRect l="-17647" r="-7843" b="-31111"/>
+                  <a:fillRect l="-19608" r="-7843" b="-31111"/>
                 </a:stretch>
               </a:blipFill>
             </p:spPr>
@@ -7228,8 +7228,8 @@
           </p:sp>
         </mc:Fallback>
       </mc:AlternateContent>
-      <mc:AlternateContent xmlns:mc="http://schemas.openxmlformats.org/markup-compatibility/2006">
-        <mc:Choice xmlns:a14="http://schemas.microsoft.com/office/drawing/2010/main" Requires="a14">
+      <mc:AlternateContent xmlns:mc="http://schemas.openxmlformats.org/markup-compatibility/2006" xmlns:a14="http://schemas.microsoft.com/office/drawing/2010/main">
+        <mc:Choice Requires="a14">
           <p:sp>
             <p:nvSpPr>
               <p:cNvPr id="18" name="テキスト ボックス 17">
@@ -7268,7 +7268,7 @@
                       <m:sSub>
                         <m:sSubPr>
                           <m:ctrlPr>
-                            <a:rPr kumimoji="1" lang="en-US" altLang="ja-JP" b="1" smtClean="0">
+                            <a:rPr kumimoji="1" lang="en-US" altLang="ja-JP" b="1" i="1" smtClean="0">
                               <a:latin typeface="Cambria Math" panose="02040503050406030204" pitchFamily="18" charset="0"/>
                             </a:rPr>
                           </m:ctrlPr>
@@ -7278,7 +7278,7 @@
                             <a:rPr kumimoji="1" lang="en-US" altLang="ja-JP" b="1" i="0" smtClean="0">
                               <a:latin typeface="Cambria Math" panose="02040503050406030204" pitchFamily="18" charset="0"/>
                             </a:rPr>
-                            <m:t>𝐪</m:t>
+                            <m:t>𝐩</m:t>
                           </m:r>
                         </m:e>
                         <m:sub>
@@ -7298,7 +7298,7 @@
             </p:txBody>
           </p:sp>
         </mc:Choice>
-        <mc:Fallback>
+        <mc:Fallback xmlns="">
           <p:sp>
             <p:nvSpPr>
               <p:cNvPr id="18" name="テキスト ボックス 17">
@@ -7343,8 +7343,8 @@
           </p:sp>
         </mc:Fallback>
       </mc:AlternateContent>
-      <mc:AlternateContent xmlns:mc="http://schemas.openxmlformats.org/markup-compatibility/2006">
-        <mc:Choice xmlns:a14="http://schemas.microsoft.com/office/drawing/2010/main" Requires="a14">
+      <mc:AlternateContent xmlns:mc="http://schemas.openxmlformats.org/markup-compatibility/2006" xmlns:a14="http://schemas.microsoft.com/office/drawing/2010/main">
+        <mc:Choice Requires="a14">
           <p:sp>
             <p:nvSpPr>
               <p:cNvPr id="19" name="テキスト ボックス 18">
@@ -7383,7 +7383,7 @@
                       <m:sSub>
                         <m:sSubPr>
                           <m:ctrlPr>
-                            <a:rPr kumimoji="1" lang="en-US" altLang="ja-JP" b="1" smtClean="0">
+                            <a:rPr kumimoji="1" lang="en-US" altLang="ja-JP" b="1" i="1" smtClean="0">
                               <a:latin typeface="Cambria Math" panose="02040503050406030204" pitchFamily="18" charset="0"/>
                             </a:rPr>
                           </m:ctrlPr>
@@ -7393,7 +7393,7 @@
                             <a:rPr kumimoji="1" lang="en-US" altLang="ja-JP" b="1" i="0" smtClean="0">
                               <a:latin typeface="Cambria Math" panose="02040503050406030204" pitchFamily="18" charset="0"/>
                             </a:rPr>
-                            <m:t>𝐪</m:t>
+                            <m:t>𝐩</m:t>
                           </m:r>
                         </m:e>
                         <m:sub>
@@ -7413,7 +7413,7 @@
             </p:txBody>
           </p:sp>
         </mc:Choice>
-        <mc:Fallback>
+        <mc:Fallback xmlns="">
           <p:sp>
             <p:nvSpPr>
               <p:cNvPr id="19" name="テキスト ボックス 18">
@@ -7439,7 +7439,7 @@
               <a:blipFill>
                 <a:blip r:embed="rId5"/>
                 <a:stretch>
-                  <a:fillRect l="-17647" r="-7843" b="-31111"/>
+                  <a:fillRect l="-19608" r="-7843" b="-31111"/>
                 </a:stretch>
               </a:blipFill>
             </p:spPr>
@@ -7458,8 +7458,8 @@
           </p:sp>
         </mc:Fallback>
       </mc:AlternateContent>
-      <mc:AlternateContent xmlns:mc="http://schemas.openxmlformats.org/markup-compatibility/2006">
-        <mc:Choice xmlns:a14="http://schemas.microsoft.com/office/drawing/2010/main" Requires="a14">
+      <mc:AlternateContent xmlns:mc="http://schemas.openxmlformats.org/markup-compatibility/2006" xmlns:a14="http://schemas.microsoft.com/office/drawing/2010/main">
+        <mc:Choice Requires="a14">
           <p:sp>
             <p:nvSpPr>
               <p:cNvPr id="20" name="正方形/長方形 19">
@@ -7492,17 +7492,17 @@
                     <m:sSub>
                       <m:sSubPr>
                         <m:ctrlPr>
-                          <a:rPr lang="en-US" altLang="ja-JP" b="1" smtClean="0">
+                          <a:rPr lang="en-US" altLang="ja-JP" b="1" i="1" smtClean="0">
                             <a:latin typeface="Cambria Math" panose="02040503050406030204" pitchFamily="18" charset="0"/>
                           </a:rPr>
                         </m:ctrlPr>
                       </m:sSubPr>
                       <m:e>
                         <m:r>
-                          <a:rPr lang="en-US" altLang="ja-JP" b="1" i="0">
+                          <a:rPr lang="en-US" altLang="ja-JP" b="1" i="0" smtClean="0">
                             <a:latin typeface="Cambria Math" panose="02040503050406030204" pitchFamily="18" charset="0"/>
                           </a:rPr>
-                          <m:t>𝐪</m:t>
+                          <m:t>𝐩</m:t>
                         </m:r>
                       </m:e>
                       <m:sub>
@@ -7525,7 +7525,7 @@
                     <m:sSub>
                       <m:sSubPr>
                         <m:ctrlPr>
-                          <a:rPr lang="en-US" altLang="ja-JP" b="1" dirty="0" smtClean="0">
+                          <a:rPr lang="en-US" altLang="ja-JP" b="1" i="1" dirty="0" smtClean="0">
                             <a:latin typeface="Cambria Math" panose="02040503050406030204" pitchFamily="18" charset="0"/>
                           </a:rPr>
                         </m:ctrlPr>
@@ -7535,7 +7535,7 @@
                           <a:rPr lang="en-US" altLang="ja-JP" b="1" i="0" dirty="0" smtClean="0">
                             <a:latin typeface="Cambria Math" panose="02040503050406030204" pitchFamily="18" charset="0"/>
                           </a:rPr>
-                          <m:t>𝐪</m:t>
+                          <m:t>𝐩</m:t>
                         </m:r>
                       </m:e>
                       <m:sub>
@@ -7558,7 +7558,7 @@
             </p:txBody>
           </p:sp>
         </mc:Choice>
-        <mc:Fallback>
+        <mc:Fallback xmlns="">
           <p:sp>
             <p:nvSpPr>
               <p:cNvPr id="20" name="正方形/長方形 19">
@@ -8309,8 +8309,8 @@
           </a:p>
         </p:txBody>
       </p:sp>
-      <mc:AlternateContent xmlns:mc="http://schemas.openxmlformats.org/markup-compatibility/2006">
-        <mc:Choice xmlns:a14="http://schemas.microsoft.com/office/drawing/2010/main" Requires="a14">
+      <mc:AlternateContent xmlns:mc="http://schemas.openxmlformats.org/markup-compatibility/2006" xmlns:a14="http://schemas.microsoft.com/office/drawing/2010/main">
+        <mc:Choice Requires="a14">
           <p:sp>
             <p:nvSpPr>
               <p:cNvPr id="8" name="正方形/長方形 7">
@@ -8348,17 +8348,17 @@
                       <m:sSub>
                         <m:sSubPr>
                           <m:ctrlPr>
-                            <a:rPr lang="en-US" altLang="ja-JP" b="1">
+                            <a:rPr lang="en-US" altLang="ja-JP" b="1" i="1" smtClean="0">
                               <a:latin typeface="Cambria Math" panose="02040503050406030204" pitchFamily="18" charset="0"/>
                             </a:rPr>
                           </m:ctrlPr>
                         </m:sSubPr>
                         <m:e>
                           <m:r>
-                            <a:rPr lang="en-US" altLang="ja-JP" b="1" i="0">
+                            <a:rPr lang="en-US" altLang="ja-JP" b="1" i="0" smtClean="0">
                               <a:latin typeface="Cambria Math" panose="02040503050406030204" pitchFamily="18" charset="0"/>
                             </a:rPr>
-                            <m:t>𝐪</m:t>
+                            <m:t>𝐩</m:t>
                           </m:r>
                         </m:e>
                         <m:sub>
@@ -8378,7 +8378,7 @@
             </p:txBody>
           </p:sp>
         </mc:Choice>
-        <mc:Fallback>
+        <mc:Fallback xmlns="">
           <p:sp>
             <p:nvSpPr>
               <p:cNvPr id="8" name="正方形/長方形 7">
@@ -8817,8 +8817,8 @@
           </a:p>
         </p:txBody>
       </p:sp>
-      <mc:AlternateContent xmlns:mc="http://schemas.openxmlformats.org/markup-compatibility/2006">
-        <mc:Choice xmlns:a14="http://schemas.microsoft.com/office/drawing/2010/main" Requires="a14">
+      <mc:AlternateContent xmlns:mc="http://schemas.openxmlformats.org/markup-compatibility/2006" xmlns:a14="http://schemas.microsoft.com/office/drawing/2010/main">
+        <mc:Choice Requires="a14">
           <p:sp>
             <p:nvSpPr>
               <p:cNvPr id="17" name="テキスト ボックス 16">
@@ -8857,7 +8857,7 @@
                       <m:sSub>
                         <m:sSubPr>
                           <m:ctrlPr>
-                            <a:rPr kumimoji="1" lang="en-US" altLang="ja-JP" b="1" smtClean="0">
+                            <a:rPr kumimoji="1" lang="en-US" altLang="ja-JP" b="1" i="1" smtClean="0">
                               <a:latin typeface="Cambria Math" panose="02040503050406030204" pitchFamily="18" charset="0"/>
                             </a:rPr>
                           </m:ctrlPr>
@@ -8867,7 +8867,7 @@
                             <a:rPr kumimoji="1" lang="en-US" altLang="ja-JP" b="1" i="0" smtClean="0">
                               <a:latin typeface="Cambria Math" panose="02040503050406030204" pitchFamily="18" charset="0"/>
                             </a:rPr>
-                            <m:t>𝐪</m:t>
+                            <m:t>𝐩</m:t>
                           </m:r>
                         </m:e>
                         <m:sub>
@@ -8887,7 +8887,7 @@
             </p:txBody>
           </p:sp>
         </mc:Choice>
-        <mc:Fallback>
+        <mc:Fallback xmlns="">
           <p:sp>
             <p:nvSpPr>
               <p:cNvPr id="17" name="テキスト ボックス 16">
@@ -8932,8 +8932,8 @@
           </p:sp>
         </mc:Fallback>
       </mc:AlternateContent>
-      <mc:AlternateContent xmlns:mc="http://schemas.openxmlformats.org/markup-compatibility/2006">
-        <mc:Choice xmlns:a14="http://schemas.microsoft.com/office/drawing/2010/main" Requires="a14">
+      <mc:AlternateContent xmlns:mc="http://schemas.openxmlformats.org/markup-compatibility/2006" xmlns:a14="http://schemas.microsoft.com/office/drawing/2010/main">
+        <mc:Choice Requires="a14">
           <p:sp>
             <p:nvSpPr>
               <p:cNvPr id="18" name="テキスト ボックス 17">
@@ -8972,7 +8972,7 @@
                       <m:sSub>
                         <m:sSubPr>
                           <m:ctrlPr>
-                            <a:rPr kumimoji="1" lang="en-US" altLang="ja-JP" b="1" smtClean="0">
+                            <a:rPr kumimoji="1" lang="en-US" altLang="ja-JP" b="1" i="1" smtClean="0">
                               <a:solidFill>
                                 <a:schemeClr val="bg1"/>
                               </a:solidFill>
@@ -8988,7 +8988,7 @@
                               </a:solidFill>
                               <a:latin typeface="Cambria Math" panose="02040503050406030204" pitchFamily="18" charset="0"/>
                             </a:rPr>
-                            <m:t>𝐪</m:t>
+                            <m:t>𝐩</m:t>
                           </m:r>
                         </m:e>
                         <m:sub>
@@ -9011,7 +9011,7 @@
             </p:txBody>
           </p:sp>
         </mc:Choice>
-        <mc:Fallback>
+        <mc:Fallback xmlns="">
           <p:sp>
             <p:nvSpPr>
               <p:cNvPr id="18" name="テキスト ボックス 17">
@@ -9037,7 +9037,7 @@
               <a:blipFill>
                 <a:blip r:embed="rId4"/>
                 <a:stretch>
-                  <a:fillRect l="-17647" r="-7843" b="-31111"/>
+                  <a:fillRect l="-19608" r="-7843" b="-31111"/>
                 </a:stretch>
               </a:blipFill>
             </p:spPr>
@@ -9067,13 +9067,14 @@
           </p:cNvPr>
           <p:cNvCxnSpPr>
             <a:cxnSpLocks/>
+            <a:endCxn id="30" idx="1"/>
           </p:cNvCxnSpPr>
           <p:nvPr/>
         </p:nvCxnSpPr>
         <p:spPr>
-          <a:xfrm flipH="1">
-            <a:off x="2169896" y="3464445"/>
-            <a:ext cx="2446974" cy="73371"/>
+          <a:xfrm flipV="1">
+            <a:off x="4616870" y="3216706"/>
+            <a:ext cx="1219545" cy="247740"/>
           </a:xfrm>
           <a:prstGeom prst="line">
             <a:avLst/>
@@ -9113,7 +9114,7 @@
         </p:nvSpPr>
         <p:spPr>
           <a:xfrm>
-            <a:off x="166405" y="3318426"/>
+            <a:off x="5836415" y="3016651"/>
             <a:ext cx="2368859" cy="400110"/>
           </a:xfrm>
           <a:prstGeom prst="rect">
@@ -9245,8 +9246,8 @@
           </a:p>
         </p:txBody>
       </p:sp>
-      <mc:AlternateContent xmlns:mc="http://schemas.openxmlformats.org/markup-compatibility/2006">
-        <mc:Choice xmlns:a14="http://schemas.microsoft.com/office/drawing/2010/main" Requires="a14">
+      <mc:AlternateContent xmlns:mc="http://schemas.openxmlformats.org/markup-compatibility/2006" xmlns:a14="http://schemas.microsoft.com/office/drawing/2010/main">
+        <mc:Choice Requires="a14">
           <p:sp>
             <p:nvSpPr>
               <p:cNvPr id="33" name="テキスト ボックス 32">
@@ -9285,7 +9286,7 @@
                       <m:sSub>
                         <m:sSubPr>
                           <m:ctrlPr>
-                            <a:rPr kumimoji="1" lang="en-US" altLang="ja-JP" b="1" smtClean="0">
+                            <a:rPr kumimoji="1" lang="en-US" altLang="ja-JP" b="1" i="1" smtClean="0">
                               <a:latin typeface="Cambria Math" panose="02040503050406030204" pitchFamily="18" charset="0"/>
                             </a:rPr>
                           </m:ctrlPr>
@@ -9295,7 +9296,7 @@
                             <a:rPr kumimoji="1" lang="en-US" altLang="ja-JP" b="1" i="0" smtClean="0">
                               <a:latin typeface="Cambria Math" panose="02040503050406030204" pitchFamily="18" charset="0"/>
                             </a:rPr>
-                            <m:t>𝐪</m:t>
+                            <m:t>𝐩</m:t>
                           </m:r>
                         </m:e>
                         <m:sub>
@@ -9315,7 +9316,7 @@
             </p:txBody>
           </p:sp>
         </mc:Choice>
-        <mc:Fallback>
+        <mc:Fallback xmlns="">
           <p:sp>
             <p:nvSpPr>
               <p:cNvPr id="33" name="テキスト ボックス 32">
@@ -9341,7 +9342,7 @@
               <a:blipFill>
                 <a:blip r:embed="rId5"/>
                 <a:stretch>
-                  <a:fillRect l="-17647" r="-7843" b="-31111"/>
+                  <a:fillRect l="-19608" r="-7843" b="-31111"/>
                 </a:stretch>
               </a:blipFill>
             </p:spPr>
@@ -9454,8 +9455,8 @@
           </a:fontRef>
         </p:style>
       </p:cxnSp>
-      <mc:AlternateContent xmlns:mc="http://schemas.openxmlformats.org/markup-compatibility/2006">
-        <mc:Choice xmlns:a14="http://schemas.microsoft.com/office/drawing/2010/main" Requires="a14">
+      <mc:AlternateContent xmlns:mc="http://schemas.openxmlformats.org/markup-compatibility/2006" xmlns:a14="http://schemas.microsoft.com/office/drawing/2010/main">
+        <mc:Choice Requires="a14">
           <p:sp>
             <p:nvSpPr>
               <p:cNvPr id="36" name="正方形/長方形 35">
@@ -9488,17 +9489,17 @@
                     <m:sSub>
                       <m:sSubPr>
                         <m:ctrlPr>
-                          <a:rPr lang="en-US" altLang="ja-JP" b="1" smtClean="0">
+                          <a:rPr lang="en-US" altLang="ja-JP" b="1" i="1" smtClean="0">
                             <a:latin typeface="Cambria Math" panose="02040503050406030204" pitchFamily="18" charset="0"/>
                           </a:rPr>
                         </m:ctrlPr>
                       </m:sSubPr>
                       <m:e>
                         <m:r>
-                          <a:rPr lang="en-US" altLang="ja-JP" b="1" i="0">
+                          <a:rPr lang="en-US" altLang="ja-JP" b="1" i="0" smtClean="0">
                             <a:latin typeface="Cambria Math" panose="02040503050406030204" pitchFamily="18" charset="0"/>
                           </a:rPr>
-                          <m:t>𝐪</m:t>
+                          <m:t>𝐩</m:t>
                         </m:r>
                       </m:e>
                       <m:sub>
@@ -9521,7 +9522,7 @@
                     <m:sSub>
                       <m:sSubPr>
                         <m:ctrlPr>
-                          <a:rPr lang="en-US" altLang="ja-JP" b="1" dirty="0" smtClean="0">
+                          <a:rPr lang="en-US" altLang="ja-JP" b="1" i="1" dirty="0" smtClean="0">
                             <a:latin typeface="Cambria Math" panose="02040503050406030204" pitchFamily="18" charset="0"/>
                           </a:rPr>
                         </m:ctrlPr>
@@ -9531,7 +9532,7 @@
                           <a:rPr lang="en-US" altLang="ja-JP" b="1" i="0" dirty="0" smtClean="0">
                             <a:latin typeface="Cambria Math" panose="02040503050406030204" pitchFamily="18" charset="0"/>
                           </a:rPr>
-                          <m:t>𝐪</m:t>
+                          <m:t>𝐩</m:t>
                         </m:r>
                       </m:e>
                       <m:sub>
@@ -9554,7 +9555,7 @@
             </p:txBody>
           </p:sp>
         </mc:Choice>
-        <mc:Fallback>
+        <mc:Fallback xmlns="">
           <p:sp>
             <p:nvSpPr>
               <p:cNvPr id="36" name="正方形/長方形 35">
@@ -10349,8 +10350,8 @@
           </a:p>
         </p:txBody>
       </p:sp>
-      <mc:AlternateContent xmlns:mc="http://schemas.openxmlformats.org/markup-compatibility/2006">
-        <mc:Choice xmlns:a14="http://schemas.microsoft.com/office/drawing/2010/main" Requires="a14">
+      <mc:AlternateContent xmlns:mc="http://schemas.openxmlformats.org/markup-compatibility/2006" xmlns:a14="http://schemas.microsoft.com/office/drawing/2010/main">
+        <mc:Choice Requires="a14">
           <p:sp>
             <p:nvSpPr>
               <p:cNvPr id="9" name="正方形/長方形 8">
@@ -10388,17 +10389,17 @@
                       <m:sSub>
                         <m:sSubPr>
                           <m:ctrlPr>
-                            <a:rPr lang="en-US" altLang="ja-JP" b="1">
+                            <a:rPr lang="en-US" altLang="ja-JP" b="1" i="1" smtClean="0">
                               <a:latin typeface="Cambria Math" panose="02040503050406030204" pitchFamily="18" charset="0"/>
                             </a:rPr>
                           </m:ctrlPr>
                         </m:sSubPr>
                         <m:e>
                           <m:r>
-                            <a:rPr lang="en-US" altLang="ja-JP" b="1" i="0">
+                            <a:rPr lang="en-US" altLang="ja-JP" b="1" i="0" smtClean="0">
                               <a:latin typeface="Cambria Math" panose="02040503050406030204" pitchFamily="18" charset="0"/>
                             </a:rPr>
-                            <m:t>𝐪</m:t>
+                            <m:t>𝐩</m:t>
                           </m:r>
                         </m:e>
                         <m:sub>
@@ -10418,7 +10419,7 @@
             </p:txBody>
           </p:sp>
         </mc:Choice>
-        <mc:Fallback>
+        <mc:Fallback xmlns="">
           <p:sp>
             <p:nvSpPr>
               <p:cNvPr id="9" name="正方形/長方形 8">
@@ -10763,8 +10764,8 @@
           </a:p>
         </p:txBody>
       </p:sp>
-      <mc:AlternateContent xmlns:mc="http://schemas.openxmlformats.org/markup-compatibility/2006">
-        <mc:Choice xmlns:a14="http://schemas.microsoft.com/office/drawing/2010/main" Requires="a14">
+      <mc:AlternateContent xmlns:mc="http://schemas.openxmlformats.org/markup-compatibility/2006" xmlns:a14="http://schemas.microsoft.com/office/drawing/2010/main">
+        <mc:Choice Requires="a14">
           <p:sp>
             <p:nvSpPr>
               <p:cNvPr id="16" name="テキスト ボックス 15">
@@ -10803,7 +10804,7 @@
                       <m:sSub>
                         <m:sSubPr>
                           <m:ctrlPr>
-                            <a:rPr kumimoji="1" lang="en-US" altLang="ja-JP" b="1" smtClean="0">
+                            <a:rPr kumimoji="1" lang="en-US" altLang="ja-JP" b="1" i="1" smtClean="0">
                               <a:latin typeface="Cambria Math" panose="02040503050406030204" pitchFamily="18" charset="0"/>
                             </a:rPr>
                           </m:ctrlPr>
@@ -10813,7 +10814,7 @@
                             <a:rPr kumimoji="1" lang="en-US" altLang="ja-JP" b="1" i="0" smtClean="0">
                               <a:latin typeface="Cambria Math" panose="02040503050406030204" pitchFamily="18" charset="0"/>
                             </a:rPr>
-                            <m:t>𝐪</m:t>
+                            <m:t>𝐩</m:t>
                           </m:r>
                         </m:e>
                         <m:sub>
@@ -10833,7 +10834,7 @@
             </p:txBody>
           </p:sp>
         </mc:Choice>
-        <mc:Fallback>
+        <mc:Fallback xmlns="">
           <p:sp>
             <p:nvSpPr>
               <p:cNvPr id="16" name="テキスト ボックス 15">
@@ -10878,8 +10879,8 @@
           </p:sp>
         </mc:Fallback>
       </mc:AlternateContent>
-      <mc:AlternateContent xmlns:mc="http://schemas.openxmlformats.org/markup-compatibility/2006">
-        <mc:Choice xmlns:a14="http://schemas.microsoft.com/office/drawing/2010/main" Requires="a14">
+      <mc:AlternateContent xmlns:mc="http://schemas.openxmlformats.org/markup-compatibility/2006" xmlns:a14="http://schemas.microsoft.com/office/drawing/2010/main">
+        <mc:Choice Requires="a14">
           <p:sp>
             <p:nvSpPr>
               <p:cNvPr id="17" name="テキスト ボックス 16">
@@ -10918,7 +10919,7 @@
                       <m:sSub>
                         <m:sSubPr>
                           <m:ctrlPr>
-                            <a:rPr kumimoji="1" lang="en-US" altLang="ja-JP" b="1" smtClean="0">
+                            <a:rPr kumimoji="1" lang="en-US" altLang="ja-JP" b="1" i="1" smtClean="0">
                               <a:solidFill>
                                 <a:schemeClr val="bg1"/>
                               </a:solidFill>
@@ -10934,7 +10935,7 @@
                               </a:solidFill>
                               <a:latin typeface="Cambria Math" panose="02040503050406030204" pitchFamily="18" charset="0"/>
                             </a:rPr>
-                            <m:t>𝐪</m:t>
+                            <m:t>𝐩</m:t>
                           </m:r>
                         </m:e>
                         <m:sub>
@@ -10957,7 +10958,7 @@
             </p:txBody>
           </p:sp>
         </mc:Choice>
-        <mc:Fallback>
+        <mc:Fallback xmlns="">
           <p:sp>
             <p:nvSpPr>
               <p:cNvPr id="17" name="テキスト ボックス 16">
@@ -10983,7 +10984,7 @@
               <a:blipFill>
                 <a:blip r:embed="rId4"/>
                 <a:stretch>
-                  <a:fillRect l="-17647" r="-7843" b="-31111"/>
+                  <a:fillRect l="-19608" r="-7843" b="-31111"/>
                 </a:stretch>
               </a:blipFill>
             </p:spPr>
@@ -11101,8 +11102,8 @@
           </a:fontRef>
         </p:style>
       </p:cxnSp>
-      <mc:AlternateContent xmlns:mc="http://schemas.openxmlformats.org/markup-compatibility/2006">
-        <mc:Choice xmlns:a14="http://schemas.microsoft.com/office/drawing/2010/main" Requires="a14">
+      <mc:AlternateContent xmlns:mc="http://schemas.openxmlformats.org/markup-compatibility/2006" xmlns:a14="http://schemas.microsoft.com/office/drawing/2010/main">
+        <mc:Choice Requires="a14">
           <p:sp>
             <p:nvSpPr>
               <p:cNvPr id="20" name="テキスト ボックス 19">
@@ -11141,7 +11142,7 @@
                       <m:sSub>
                         <m:sSubPr>
                           <m:ctrlPr>
-                            <a:rPr kumimoji="1" lang="en-US" altLang="ja-JP" b="1" smtClean="0">
+                            <a:rPr kumimoji="1" lang="en-US" altLang="ja-JP" b="1" i="1" smtClean="0">
                               <a:solidFill>
                                 <a:schemeClr val="bg1"/>
                               </a:solidFill>
@@ -11157,7 +11158,7 @@
                               </a:solidFill>
                               <a:latin typeface="Cambria Math" panose="02040503050406030204" pitchFamily="18" charset="0"/>
                             </a:rPr>
-                            <m:t>𝐪</m:t>
+                            <m:t>𝐩</m:t>
                           </m:r>
                         </m:e>
                         <m:sub>
@@ -11180,7 +11181,7 @@
             </p:txBody>
           </p:sp>
         </mc:Choice>
-        <mc:Fallback>
+        <mc:Fallback xmlns="">
           <p:sp>
             <p:nvSpPr>
               <p:cNvPr id="20" name="テキスト ボックス 19">
@@ -11206,7 +11207,7 @@
               <a:blipFill>
                 <a:blip r:embed="rId5"/>
                 <a:stretch>
-                  <a:fillRect l="-17308" r="-7692" b="-28261"/>
+                  <a:fillRect l="-17308" r="-7692" b="-30435"/>
                 </a:stretch>
               </a:blipFill>
             </p:spPr>
@@ -11328,14 +11329,13 @@
           </p:cNvPr>
           <p:cNvCxnSpPr>
             <a:cxnSpLocks/>
-            <a:endCxn id="20" idx="1"/>
           </p:cNvCxnSpPr>
           <p:nvPr/>
         </p:nvCxnSpPr>
         <p:spPr>
-          <a:xfrm flipV="1">
-            <a:off x="1979623" y="3237625"/>
-            <a:ext cx="2588459" cy="361852"/>
+          <a:xfrm flipH="1">
+            <a:off x="4758592" y="2963723"/>
+            <a:ext cx="386480" cy="226158"/>
           </a:xfrm>
           <a:prstGeom prst="line">
             <a:avLst/>
@@ -11375,7 +11375,7 @@
         </p:nvSpPr>
         <p:spPr>
           <a:xfrm>
-            <a:off x="663067" y="3376124"/>
+            <a:off x="4969531" y="2574765"/>
             <a:ext cx="1361061" cy="400110"/>
           </a:xfrm>
           <a:prstGeom prst="rect">
@@ -11451,8 +11451,8 @@
           </a:p>
         </p:txBody>
       </p:sp>
-      <mc:AlternateContent xmlns:mc="http://schemas.openxmlformats.org/markup-compatibility/2006">
-        <mc:Choice xmlns:a14="http://schemas.microsoft.com/office/drawing/2010/main" Requires="a14">
+      <mc:AlternateContent xmlns:mc="http://schemas.openxmlformats.org/markup-compatibility/2006" xmlns:a14="http://schemas.microsoft.com/office/drawing/2010/main">
+        <mc:Choice Requires="a14">
           <p:sp>
             <p:nvSpPr>
               <p:cNvPr id="36" name="テキスト ボックス 35">
@@ -11468,7 +11468,7 @@
             <p:spPr>
               <a:xfrm>
                 <a:off x="4589739" y="4752190"/>
-                <a:ext cx="314124" cy="276999"/>
+                <a:ext cx="317330" cy="276999"/>
               </a:xfrm>
               <a:prstGeom prst="rect">
                 <a:avLst/>
@@ -11491,7 +11491,7 @@
                       <m:sSub>
                         <m:sSubPr>
                           <m:ctrlPr>
-                            <a:rPr kumimoji="1" lang="en-US" altLang="ja-JP" b="1" smtClean="0">
+                            <a:rPr kumimoji="1" lang="en-US" altLang="ja-JP" b="1" i="1" smtClean="0">
                               <a:latin typeface="Cambria Math" panose="02040503050406030204" pitchFamily="18" charset="0"/>
                             </a:rPr>
                           </m:ctrlPr>
@@ -11501,7 +11501,7 @@
                             <a:rPr kumimoji="1" lang="en-US" altLang="ja-JP" b="1" i="0" smtClean="0">
                               <a:latin typeface="Cambria Math" panose="02040503050406030204" pitchFamily="18" charset="0"/>
                             </a:rPr>
-                            <m:t>𝐪</m:t>
+                            <m:t>𝐩</m:t>
                           </m:r>
                         </m:e>
                         <m:sub>
@@ -11521,7 +11521,7 @@
             </p:txBody>
           </p:sp>
         </mc:Choice>
-        <mc:Fallback>
+        <mc:Fallback xmlns="">
           <p:sp>
             <p:nvSpPr>
               <p:cNvPr id="36" name="テキスト ボックス 35">
@@ -11539,7 +11539,7 @@
             <p:spPr>
               <a:xfrm>
                 <a:off x="4589739" y="4752190"/>
-                <a:ext cx="314124" cy="276999"/>
+                <a:ext cx="317330" cy="276999"/>
               </a:xfrm>
               <a:prstGeom prst="rect">
                 <a:avLst/>
@@ -11547,7 +11547,7 @@
               <a:blipFill>
                 <a:blip r:embed="rId6"/>
                 <a:stretch>
-                  <a:fillRect l="-17647" r="-7843" b="-31111"/>
+                  <a:fillRect l="-19231" r="-5769" b="-31111"/>
                 </a:stretch>
               </a:blipFill>
             </p:spPr>
@@ -11653,8 +11653,8 @@
           </a:fontRef>
         </p:style>
       </p:cxnSp>
-      <mc:AlternateContent xmlns:mc="http://schemas.openxmlformats.org/markup-compatibility/2006">
-        <mc:Choice xmlns:a14="http://schemas.microsoft.com/office/drawing/2010/main" Requires="a14">
+      <mc:AlternateContent xmlns:mc="http://schemas.openxmlformats.org/markup-compatibility/2006" xmlns:a14="http://schemas.microsoft.com/office/drawing/2010/main">
+        <mc:Choice Requires="a14">
           <p:sp>
             <p:nvSpPr>
               <p:cNvPr id="39" name="正方形/長方形 38">
@@ -11687,17 +11687,17 @@
                     <m:sSub>
                       <m:sSubPr>
                         <m:ctrlPr>
-                          <a:rPr lang="en-US" altLang="ja-JP" b="1" smtClean="0">
+                          <a:rPr lang="en-US" altLang="ja-JP" b="1" i="1" smtClean="0">
                             <a:latin typeface="Cambria Math" panose="02040503050406030204" pitchFamily="18" charset="0"/>
                           </a:rPr>
                         </m:ctrlPr>
                       </m:sSubPr>
                       <m:e>
                         <m:r>
-                          <a:rPr lang="en-US" altLang="ja-JP" b="1" i="0">
+                          <a:rPr lang="en-US" altLang="ja-JP" b="1" i="0" smtClean="0">
                             <a:latin typeface="Cambria Math" panose="02040503050406030204" pitchFamily="18" charset="0"/>
                           </a:rPr>
-                          <m:t>𝐪</m:t>
+                          <m:t>𝐩</m:t>
                         </m:r>
                       </m:e>
                       <m:sub>
@@ -11720,7 +11720,7 @@
                     <m:sSub>
                       <m:sSubPr>
                         <m:ctrlPr>
-                          <a:rPr lang="en-US" altLang="ja-JP" b="1" dirty="0" smtClean="0">
+                          <a:rPr lang="en-US" altLang="ja-JP" b="1" i="1" dirty="0" smtClean="0">
                             <a:latin typeface="Cambria Math" panose="02040503050406030204" pitchFamily="18" charset="0"/>
                           </a:rPr>
                         </m:ctrlPr>
@@ -11730,7 +11730,7 @@
                           <a:rPr lang="en-US" altLang="ja-JP" b="1" i="0" dirty="0" smtClean="0">
                             <a:latin typeface="Cambria Math" panose="02040503050406030204" pitchFamily="18" charset="0"/>
                           </a:rPr>
-                          <m:t>𝐪</m:t>
+                          <m:t>𝐩</m:t>
                         </m:r>
                       </m:e>
                       <m:sub>
@@ -11753,7 +11753,7 @@
             </p:txBody>
           </p:sp>
         </mc:Choice>
-        <mc:Fallback>
+        <mc:Fallback xmlns="">
           <p:sp>
             <p:nvSpPr>
               <p:cNvPr id="39" name="正方形/長方形 38">
@@ -12731,8 +12731,8 @@
           </a:p>
         </p:txBody>
       </p:sp>
-      <mc:AlternateContent xmlns:mc="http://schemas.openxmlformats.org/markup-compatibility/2006">
-        <mc:Choice xmlns:a14="http://schemas.microsoft.com/office/drawing/2010/main" Requires="a14">
+      <mc:AlternateContent xmlns:mc="http://schemas.openxmlformats.org/markup-compatibility/2006" xmlns:a14="http://schemas.microsoft.com/office/drawing/2010/main">
+        <mc:Choice Requires="a14">
           <p:sp>
             <p:nvSpPr>
               <p:cNvPr id="12" name="正方形/長方形 11">
@@ -12770,17 +12770,17 @@
                       <m:sSub>
                         <m:sSubPr>
                           <m:ctrlPr>
-                            <a:rPr lang="en-US" altLang="ja-JP" b="1">
+                            <a:rPr lang="en-US" altLang="ja-JP" b="1" i="1" smtClean="0">
                               <a:latin typeface="Cambria Math" panose="02040503050406030204" pitchFamily="18" charset="0"/>
                             </a:rPr>
                           </m:ctrlPr>
                         </m:sSubPr>
                         <m:e>
                           <m:r>
-                            <a:rPr lang="en-US" altLang="ja-JP" b="1" i="0">
+                            <a:rPr lang="en-US" altLang="ja-JP" b="1" i="0" smtClean="0">
                               <a:latin typeface="Cambria Math" panose="02040503050406030204" pitchFamily="18" charset="0"/>
                             </a:rPr>
-                            <m:t>𝐪</m:t>
+                            <m:t>𝐩</m:t>
                           </m:r>
                         </m:e>
                         <m:sub>
@@ -12800,7 +12800,7 @@
             </p:txBody>
           </p:sp>
         </mc:Choice>
-        <mc:Fallback>
+        <mc:Fallback xmlns="">
           <p:sp>
             <p:nvSpPr>
               <p:cNvPr id="12" name="正方形/長方形 11">
@@ -13101,8 +13101,8 @@
           </a:p>
         </p:txBody>
       </p:sp>
-      <mc:AlternateContent xmlns:mc="http://schemas.openxmlformats.org/markup-compatibility/2006">
-        <mc:Choice xmlns:a14="http://schemas.microsoft.com/office/drawing/2010/main" Requires="a14">
+      <mc:AlternateContent xmlns:mc="http://schemas.openxmlformats.org/markup-compatibility/2006" xmlns:a14="http://schemas.microsoft.com/office/drawing/2010/main">
+        <mc:Choice Requires="a14">
           <p:sp>
             <p:nvSpPr>
               <p:cNvPr id="18" name="テキスト ボックス 17">
@@ -13141,7 +13141,7 @@
                       <m:sSub>
                         <m:sSubPr>
                           <m:ctrlPr>
-                            <a:rPr kumimoji="1" lang="en-US" altLang="ja-JP" b="1" smtClean="0">
+                            <a:rPr kumimoji="1" lang="en-US" altLang="ja-JP" b="1" i="1" smtClean="0">
                               <a:latin typeface="Cambria Math" panose="02040503050406030204" pitchFamily="18" charset="0"/>
                             </a:rPr>
                           </m:ctrlPr>
@@ -13151,7 +13151,7 @@
                             <a:rPr kumimoji="1" lang="en-US" altLang="ja-JP" b="1" i="0" smtClean="0">
                               <a:latin typeface="Cambria Math" panose="02040503050406030204" pitchFamily="18" charset="0"/>
                             </a:rPr>
-                            <m:t>𝐪</m:t>
+                            <m:t>𝐩</m:t>
                           </m:r>
                         </m:e>
                         <m:sub>
@@ -13171,7 +13171,7 @@
             </p:txBody>
           </p:sp>
         </mc:Choice>
-        <mc:Fallback>
+        <mc:Fallback xmlns="">
           <p:sp>
             <p:nvSpPr>
               <p:cNvPr id="18" name="テキスト ボックス 17">
@@ -13216,8 +13216,8 @@
           </p:sp>
         </mc:Fallback>
       </mc:AlternateContent>
-      <mc:AlternateContent xmlns:mc="http://schemas.openxmlformats.org/markup-compatibility/2006">
-        <mc:Choice xmlns:a14="http://schemas.microsoft.com/office/drawing/2010/main" Requires="a14">
+      <mc:AlternateContent xmlns:mc="http://schemas.openxmlformats.org/markup-compatibility/2006" xmlns:a14="http://schemas.microsoft.com/office/drawing/2010/main">
+        <mc:Choice Requires="a14">
           <p:sp>
             <p:nvSpPr>
               <p:cNvPr id="19" name="テキスト ボックス 18">
@@ -13256,7 +13256,7 @@
                       <m:sSub>
                         <m:sSubPr>
                           <m:ctrlPr>
-                            <a:rPr kumimoji="1" lang="en-US" altLang="ja-JP" b="1" smtClean="0">
+                            <a:rPr kumimoji="1" lang="en-US" altLang="ja-JP" b="1" i="1" smtClean="0">
                               <a:latin typeface="Cambria Math" panose="02040503050406030204" pitchFamily="18" charset="0"/>
                             </a:rPr>
                           </m:ctrlPr>
@@ -13266,7 +13266,7 @@
                             <a:rPr kumimoji="1" lang="en-US" altLang="ja-JP" b="1" i="0" smtClean="0">
                               <a:latin typeface="Cambria Math" panose="02040503050406030204" pitchFamily="18" charset="0"/>
                             </a:rPr>
-                            <m:t>𝐪</m:t>
+                            <m:t>𝐩</m:t>
                           </m:r>
                         </m:e>
                         <m:sub>
@@ -13286,7 +13286,7 @@
             </p:txBody>
           </p:sp>
         </mc:Choice>
-        <mc:Fallback>
+        <mc:Fallback xmlns="">
           <p:sp>
             <p:nvSpPr>
               <p:cNvPr id="19" name="テキスト ボックス 18">
@@ -13312,7 +13312,7 @@
               <a:blipFill>
                 <a:blip r:embed="rId4"/>
                 <a:stretch>
-                  <a:fillRect l="-17647" r="-7843" b="-31111"/>
+                  <a:fillRect l="-19608" r="-7843" b="-31111"/>
                 </a:stretch>
               </a:blipFill>
             </p:spPr>
@@ -13385,8 +13385,8 @@
           </a:p>
         </p:txBody>
       </p:sp>
-      <mc:AlternateContent xmlns:mc="http://schemas.openxmlformats.org/markup-compatibility/2006">
-        <mc:Choice xmlns:a14="http://schemas.microsoft.com/office/drawing/2010/main" Requires="a14">
+      <mc:AlternateContent xmlns:mc="http://schemas.openxmlformats.org/markup-compatibility/2006" xmlns:a14="http://schemas.microsoft.com/office/drawing/2010/main">
+        <mc:Choice Requires="a14">
           <p:sp>
             <p:nvSpPr>
               <p:cNvPr id="21" name="テキスト ボックス 20">
@@ -13425,7 +13425,7 @@
                       <m:sSub>
                         <m:sSubPr>
                           <m:ctrlPr>
-                            <a:rPr kumimoji="1" lang="en-US" altLang="ja-JP" b="1" smtClean="0">
+                            <a:rPr kumimoji="1" lang="en-US" altLang="ja-JP" b="1" i="1" smtClean="0">
                               <a:latin typeface="Cambria Math" panose="02040503050406030204" pitchFamily="18" charset="0"/>
                             </a:rPr>
                           </m:ctrlPr>
@@ -13455,7 +13455,7 @@
             </p:txBody>
           </p:sp>
         </mc:Choice>
-        <mc:Fallback>
+        <mc:Fallback xmlns="">
           <p:sp>
             <p:nvSpPr>
               <p:cNvPr id="21" name="テキスト ボックス 20">
@@ -13511,14 +13511,13 @@
           </p:cNvPr>
           <p:cNvCxnSpPr>
             <a:cxnSpLocks/>
-            <a:endCxn id="21" idx="1"/>
           </p:cNvCxnSpPr>
           <p:nvPr/>
         </p:nvCxnSpPr>
         <p:spPr>
-          <a:xfrm flipV="1">
-            <a:off x="1979623" y="3237625"/>
-            <a:ext cx="2588459" cy="361852"/>
+          <a:xfrm flipH="1">
+            <a:off x="4714603" y="3178479"/>
+            <a:ext cx="555710" cy="89592"/>
           </a:xfrm>
           <a:prstGeom prst="line">
             <a:avLst/>
@@ -13558,7 +13557,7 @@
         </p:nvSpPr>
         <p:spPr>
           <a:xfrm>
-            <a:off x="663067" y="3376124"/>
+            <a:off x="5260886" y="2906688"/>
             <a:ext cx="1361061" cy="400110"/>
           </a:xfrm>
           <a:prstGeom prst="rect">
@@ -13594,7 +13593,7 @@
         </p:nvSpPr>
         <p:spPr>
           <a:xfrm>
-            <a:off x="790726" y="3149841"/>
+            <a:off x="5388545" y="2680405"/>
             <a:ext cx="974231" cy="899271"/>
           </a:xfrm>
           <a:prstGeom prst="mathMultiply">
@@ -13628,8 +13627,8 @@
           </a:p>
         </p:txBody>
       </p:sp>
-      <mc:AlternateContent xmlns:mc="http://schemas.openxmlformats.org/markup-compatibility/2006">
-        <mc:Choice xmlns:a14="http://schemas.microsoft.com/office/drawing/2010/main" Requires="a14">
+      <mc:AlternateContent xmlns:mc="http://schemas.openxmlformats.org/markup-compatibility/2006" xmlns:a14="http://schemas.microsoft.com/office/drawing/2010/main">
+        <mc:Choice Requires="a14">
           <p:sp>
             <p:nvSpPr>
               <p:cNvPr id="35" name="テキスト ボックス 34">
@@ -13668,7 +13667,7 @@
                       <m:sSub>
                         <m:sSubPr>
                           <m:ctrlPr>
-                            <a:rPr kumimoji="1" lang="en-US" altLang="ja-JP" b="1" smtClean="0">
+                            <a:rPr kumimoji="1" lang="en-US" altLang="ja-JP" b="1" i="1" smtClean="0">
                               <a:latin typeface="Cambria Math" panose="02040503050406030204" pitchFamily="18" charset="0"/>
                             </a:rPr>
                           </m:ctrlPr>
@@ -13678,7 +13677,7 @@
                             <a:rPr kumimoji="1" lang="en-US" altLang="ja-JP" b="1" i="0" smtClean="0">
                               <a:latin typeface="Cambria Math" panose="02040503050406030204" pitchFamily="18" charset="0"/>
                             </a:rPr>
-                            <m:t>𝐪</m:t>
+                            <m:t>𝐩</m:t>
                           </m:r>
                         </m:e>
                         <m:sub>
@@ -13698,7 +13697,7 @@
             </p:txBody>
           </p:sp>
         </mc:Choice>
-        <mc:Fallback>
+        <mc:Fallback xmlns="">
           <p:sp>
             <p:nvSpPr>
               <p:cNvPr id="35" name="テキスト ボックス 34">
@@ -13724,7 +13723,7 @@
               <a:blipFill>
                 <a:blip r:embed="rId6"/>
                 <a:stretch>
-                  <a:fillRect l="-17647" r="-7843" b="-31111"/>
+                  <a:fillRect l="-19608" r="-7843" b="-31111"/>
                 </a:stretch>
               </a:blipFill>
             </p:spPr>
@@ -13958,8 +13957,8 @@
           </a:p>
         </p:txBody>
       </p:sp>
-      <mc:AlternateContent xmlns:mc="http://schemas.openxmlformats.org/markup-compatibility/2006">
-        <mc:Choice xmlns:a14="http://schemas.microsoft.com/office/drawing/2010/main" Requires="a14">
+      <mc:AlternateContent xmlns:mc="http://schemas.openxmlformats.org/markup-compatibility/2006" xmlns:a14="http://schemas.microsoft.com/office/drawing/2010/main">
+        <mc:Choice Requires="a14">
           <p:sp>
             <p:nvSpPr>
               <p:cNvPr id="41" name="正方形/長方形 40">
@@ -13992,17 +13991,17 @@
                     <m:sSub>
                       <m:sSubPr>
                         <m:ctrlPr>
-                          <a:rPr lang="en-US" altLang="ja-JP" b="1" smtClean="0">
+                          <a:rPr lang="en-US" altLang="ja-JP" b="1" i="1" smtClean="0">
                             <a:latin typeface="Cambria Math" panose="02040503050406030204" pitchFamily="18" charset="0"/>
                           </a:rPr>
                         </m:ctrlPr>
                       </m:sSubPr>
                       <m:e>
                         <m:r>
-                          <a:rPr lang="en-US" altLang="ja-JP" b="1" i="0">
+                          <a:rPr lang="en-US" altLang="ja-JP" b="1" i="0" smtClean="0">
                             <a:latin typeface="Cambria Math" panose="02040503050406030204" pitchFamily="18" charset="0"/>
                           </a:rPr>
-                          <m:t>𝐪</m:t>
+                          <m:t>𝐩</m:t>
                         </m:r>
                       </m:e>
                       <m:sub>
@@ -14025,7 +14024,7 @@
                     <m:sSub>
                       <m:sSubPr>
                         <m:ctrlPr>
-                          <a:rPr lang="en-US" altLang="ja-JP" b="1" dirty="0" smtClean="0">
+                          <a:rPr lang="en-US" altLang="ja-JP" b="1" i="1" dirty="0" smtClean="0">
                             <a:latin typeface="Cambria Math" panose="02040503050406030204" pitchFamily="18" charset="0"/>
                           </a:rPr>
                         </m:ctrlPr>
@@ -14035,7 +14034,7 @@
                           <a:rPr lang="en-US" altLang="ja-JP" b="1" i="0" dirty="0" smtClean="0">
                             <a:latin typeface="Cambria Math" panose="02040503050406030204" pitchFamily="18" charset="0"/>
                           </a:rPr>
-                          <m:t>𝐪</m:t>
+                          <m:t>𝐩</m:t>
                         </m:r>
                       </m:e>
                       <m:sub>
@@ -14058,7 +14057,7 @@
             </p:txBody>
           </p:sp>
         </mc:Choice>
-        <mc:Fallback>
+        <mc:Fallback xmlns="">
           <p:sp>
             <p:nvSpPr>
               <p:cNvPr id="41" name="正方形/長方形 40">
@@ -14853,8 +14852,8 @@
           </a:p>
         </p:txBody>
       </p:sp>
-      <mc:AlternateContent xmlns:mc="http://schemas.openxmlformats.org/markup-compatibility/2006">
-        <mc:Choice xmlns:a14="http://schemas.microsoft.com/office/drawing/2010/main" Requires="a14">
+      <mc:AlternateContent xmlns:mc="http://schemas.openxmlformats.org/markup-compatibility/2006" xmlns:a14="http://schemas.microsoft.com/office/drawing/2010/main">
+        <mc:Choice Requires="a14">
           <p:sp>
             <p:nvSpPr>
               <p:cNvPr id="9" name="正方形/長方形 8">
@@ -14892,17 +14891,17 @@
                       <m:sSub>
                         <m:sSubPr>
                           <m:ctrlPr>
-                            <a:rPr lang="en-US" altLang="ja-JP" b="1">
+                            <a:rPr lang="en-US" altLang="ja-JP" b="1" i="1" smtClean="0">
                               <a:latin typeface="Cambria Math" panose="02040503050406030204" pitchFamily="18" charset="0"/>
                             </a:rPr>
                           </m:ctrlPr>
                         </m:sSubPr>
                         <m:e>
                           <m:r>
-                            <a:rPr lang="en-US" altLang="ja-JP" b="1" i="0">
+                            <a:rPr lang="en-US" altLang="ja-JP" b="1" i="0" smtClean="0">
                               <a:latin typeface="Cambria Math" panose="02040503050406030204" pitchFamily="18" charset="0"/>
                             </a:rPr>
-                            <m:t>𝐪</m:t>
+                            <m:t>𝐩</m:t>
                           </m:r>
                         </m:e>
                         <m:sub>
@@ -14922,7 +14921,7 @@
             </p:txBody>
           </p:sp>
         </mc:Choice>
-        <mc:Fallback>
+        <mc:Fallback xmlns="">
           <p:sp>
             <p:nvSpPr>
               <p:cNvPr id="9" name="正方形/長方形 8">
@@ -15215,8 +15214,8 @@
           </a:p>
         </p:txBody>
       </p:sp>
-      <mc:AlternateContent xmlns:mc="http://schemas.openxmlformats.org/markup-compatibility/2006">
-        <mc:Choice xmlns:a14="http://schemas.microsoft.com/office/drawing/2010/main" Requires="a14">
+      <mc:AlternateContent xmlns:mc="http://schemas.openxmlformats.org/markup-compatibility/2006" xmlns:a14="http://schemas.microsoft.com/office/drawing/2010/main">
+        <mc:Choice Requires="a14">
           <p:sp>
             <p:nvSpPr>
               <p:cNvPr id="15" name="テキスト ボックス 14">
@@ -15255,7 +15254,7 @@
                       <m:sSub>
                         <m:sSubPr>
                           <m:ctrlPr>
-                            <a:rPr kumimoji="1" lang="en-US" altLang="ja-JP" b="1" smtClean="0">
+                            <a:rPr kumimoji="1" lang="en-US" altLang="ja-JP" b="1" i="1" smtClean="0">
                               <a:latin typeface="Cambria Math" panose="02040503050406030204" pitchFamily="18" charset="0"/>
                             </a:rPr>
                           </m:ctrlPr>
@@ -15265,7 +15264,7 @@
                             <a:rPr kumimoji="1" lang="en-US" altLang="ja-JP" b="1" i="0" smtClean="0">
                               <a:latin typeface="Cambria Math" panose="02040503050406030204" pitchFamily="18" charset="0"/>
                             </a:rPr>
-                            <m:t>𝐪</m:t>
+                            <m:t>𝐩</m:t>
                           </m:r>
                         </m:e>
                         <m:sub>
@@ -15285,7 +15284,7 @@
             </p:txBody>
           </p:sp>
         </mc:Choice>
-        <mc:Fallback>
+        <mc:Fallback xmlns="">
           <p:sp>
             <p:nvSpPr>
               <p:cNvPr id="15" name="テキスト ボックス 14">
@@ -15330,8 +15329,8 @@
           </p:sp>
         </mc:Fallback>
       </mc:AlternateContent>
-      <mc:AlternateContent xmlns:mc="http://schemas.openxmlformats.org/markup-compatibility/2006">
-        <mc:Choice xmlns:a14="http://schemas.microsoft.com/office/drawing/2010/main" Requires="a14">
+      <mc:AlternateContent xmlns:mc="http://schemas.openxmlformats.org/markup-compatibility/2006" xmlns:a14="http://schemas.microsoft.com/office/drawing/2010/main">
+        <mc:Choice Requires="a14">
           <p:sp>
             <p:nvSpPr>
               <p:cNvPr id="16" name="テキスト ボックス 15">
@@ -15370,7 +15369,7 @@
                       <m:sSub>
                         <m:sSubPr>
                           <m:ctrlPr>
-                            <a:rPr kumimoji="1" lang="en-US" altLang="ja-JP" b="1" smtClean="0">
+                            <a:rPr kumimoji="1" lang="en-US" altLang="ja-JP" b="1" i="1" smtClean="0">
                               <a:solidFill>
                                 <a:schemeClr val="bg1"/>
                               </a:solidFill>
@@ -15386,7 +15385,7 @@
                               </a:solidFill>
                               <a:latin typeface="Cambria Math" panose="02040503050406030204" pitchFamily="18" charset="0"/>
                             </a:rPr>
-                            <m:t>𝐪</m:t>
+                            <m:t>𝐩</m:t>
                           </m:r>
                         </m:e>
                         <m:sub>
@@ -15409,7 +15408,7 @@
             </p:txBody>
           </p:sp>
         </mc:Choice>
-        <mc:Fallback>
+        <mc:Fallback xmlns="">
           <p:sp>
             <p:nvSpPr>
               <p:cNvPr id="16" name="テキスト ボックス 15">
@@ -15435,7 +15434,7 @@
               <a:blipFill>
                 <a:blip r:embed="rId4"/>
                 <a:stretch>
-                  <a:fillRect l="-17647" r="-7843" b="-31111"/>
+                  <a:fillRect l="-19608" r="-7843" b="-31111"/>
                 </a:stretch>
               </a:blipFill>
             </p:spPr>
@@ -15508,8 +15507,8 @@
           </a:p>
         </p:txBody>
       </p:sp>
-      <mc:AlternateContent xmlns:mc="http://schemas.openxmlformats.org/markup-compatibility/2006">
-        <mc:Choice xmlns:a14="http://schemas.microsoft.com/office/drawing/2010/main" Requires="a14">
+      <mc:AlternateContent xmlns:mc="http://schemas.openxmlformats.org/markup-compatibility/2006" xmlns:a14="http://schemas.microsoft.com/office/drawing/2010/main">
+        <mc:Choice Requires="a14">
           <p:sp>
             <p:nvSpPr>
               <p:cNvPr id="18" name="テキスト ボックス 17">
@@ -15548,7 +15547,7 @@
                       <m:sSub>
                         <m:sSubPr>
                           <m:ctrlPr>
-                            <a:rPr kumimoji="1" lang="en-US" altLang="ja-JP" b="1" smtClean="0">
+                            <a:rPr kumimoji="1" lang="en-US" altLang="ja-JP" b="1" i="1" smtClean="0">
                               <a:solidFill>
                                 <a:schemeClr val="bg1"/>
                               </a:solidFill>
@@ -15564,7 +15563,7 @@
                               </a:solidFill>
                               <a:latin typeface="Cambria Math" panose="02040503050406030204" pitchFamily="18" charset="0"/>
                             </a:rPr>
-                            <m:t>𝐪</m:t>
+                            <m:t>𝐩</m:t>
                           </m:r>
                         </m:e>
                         <m:sub>
@@ -15587,7 +15586,7 @@
             </p:txBody>
           </p:sp>
         </mc:Choice>
-        <mc:Fallback>
+        <mc:Fallback xmlns="">
           <p:sp>
             <p:nvSpPr>
               <p:cNvPr id="18" name="テキスト ボックス 17">
@@ -15613,7 +15612,7 @@
               <a:blipFill>
                 <a:blip r:embed="rId5"/>
                 <a:stretch>
-                  <a:fillRect l="-17308" r="-7692" b="-28261"/>
+                  <a:fillRect l="-17308" r="-7692" b="-30435"/>
                 </a:stretch>
               </a:blipFill>
             </p:spPr>
@@ -15699,14 +15698,13 @@
           </p:cNvPr>
           <p:cNvCxnSpPr>
             <a:cxnSpLocks/>
-            <a:endCxn id="18" idx="1"/>
           </p:cNvCxnSpPr>
           <p:nvPr/>
         </p:nvCxnSpPr>
         <p:spPr>
-          <a:xfrm flipV="1">
-            <a:off x="1979623" y="3237625"/>
-            <a:ext cx="2588459" cy="361852"/>
+          <a:xfrm flipH="1">
+            <a:off x="4681980" y="2811907"/>
+            <a:ext cx="464583" cy="348609"/>
           </a:xfrm>
           <a:prstGeom prst="line">
             <a:avLst/>
@@ -15746,7 +15744,7 @@
         </p:nvSpPr>
         <p:spPr>
           <a:xfrm>
-            <a:off x="663067" y="3376124"/>
+            <a:off x="4751516" y="2425931"/>
             <a:ext cx="1361061" cy="400110"/>
           </a:xfrm>
           <a:prstGeom prst="rect">
@@ -15822,8 +15820,8 @@
           </a:p>
         </p:txBody>
       </p:sp>
-      <mc:AlternateContent xmlns:mc="http://schemas.openxmlformats.org/markup-compatibility/2006">
-        <mc:Choice xmlns:a14="http://schemas.microsoft.com/office/drawing/2010/main" Requires="a14">
+      <mc:AlternateContent xmlns:mc="http://schemas.openxmlformats.org/markup-compatibility/2006" xmlns:a14="http://schemas.microsoft.com/office/drawing/2010/main">
+        <mc:Choice Requires="a14">
           <p:sp>
             <p:nvSpPr>
               <p:cNvPr id="33" name="テキスト ボックス 32">
@@ -15862,7 +15860,7 @@
                       <m:sSub>
                         <m:sSubPr>
                           <m:ctrlPr>
-                            <a:rPr kumimoji="1" lang="en-US" altLang="ja-JP" b="1" smtClean="0">
+                            <a:rPr kumimoji="1" lang="en-US" altLang="ja-JP" b="1" i="1" smtClean="0">
                               <a:latin typeface="Cambria Math" panose="02040503050406030204" pitchFamily="18" charset="0"/>
                             </a:rPr>
                           </m:ctrlPr>
@@ -15872,7 +15870,7 @@
                             <a:rPr kumimoji="1" lang="en-US" altLang="ja-JP" b="1" i="0" smtClean="0">
                               <a:latin typeface="Cambria Math" panose="02040503050406030204" pitchFamily="18" charset="0"/>
                             </a:rPr>
-                            <m:t>𝐪</m:t>
+                            <m:t>𝐩</m:t>
                           </m:r>
                         </m:e>
                         <m:sub>
@@ -15892,7 +15890,7 @@
             </p:txBody>
           </p:sp>
         </mc:Choice>
-        <mc:Fallback>
+        <mc:Fallback xmlns="">
           <p:sp>
             <p:nvSpPr>
               <p:cNvPr id="33" name="テキスト ボックス 32">
@@ -15918,7 +15916,7 @@
               <a:blipFill>
                 <a:blip r:embed="rId6"/>
                 <a:stretch>
-                  <a:fillRect l="-17647" r="-7843" b="-31111"/>
+                  <a:fillRect l="-19608" r="-7843" b="-31111"/>
                 </a:stretch>
               </a:blipFill>
             </p:spPr>
@@ -15937,8 +15935,8 @@
           </p:sp>
         </mc:Fallback>
       </mc:AlternateContent>
-      <mc:AlternateContent xmlns:mc="http://schemas.openxmlformats.org/markup-compatibility/2006">
-        <mc:Choice xmlns:a14="http://schemas.microsoft.com/office/drawing/2010/main" Requires="a14">
+      <mc:AlternateContent xmlns:mc="http://schemas.openxmlformats.org/markup-compatibility/2006" xmlns:a14="http://schemas.microsoft.com/office/drawing/2010/main">
+        <mc:Choice Requires="a14">
           <p:sp>
             <p:nvSpPr>
               <p:cNvPr id="34" name="正方形/長方形 33">
@@ -15971,17 +15969,17 @@
                     <m:sSub>
                       <m:sSubPr>
                         <m:ctrlPr>
-                          <a:rPr lang="en-US" altLang="ja-JP" b="1" smtClean="0">
+                          <a:rPr lang="en-US" altLang="ja-JP" b="1" i="1" smtClean="0">
                             <a:latin typeface="Cambria Math" panose="02040503050406030204" pitchFamily="18" charset="0"/>
                           </a:rPr>
                         </m:ctrlPr>
                       </m:sSubPr>
                       <m:e>
                         <m:r>
-                          <a:rPr lang="en-US" altLang="ja-JP" b="1" i="0">
+                          <a:rPr lang="en-US" altLang="ja-JP" b="1" i="0" smtClean="0">
                             <a:latin typeface="Cambria Math" panose="02040503050406030204" pitchFamily="18" charset="0"/>
                           </a:rPr>
-                          <m:t>𝐪</m:t>
+                          <m:t>𝐩</m:t>
                         </m:r>
                       </m:e>
                       <m:sub>
@@ -16004,7 +16002,7 @@
                     <m:sSub>
                       <m:sSubPr>
                         <m:ctrlPr>
-                          <a:rPr lang="en-US" altLang="ja-JP" b="1" dirty="0" smtClean="0">
+                          <a:rPr lang="en-US" altLang="ja-JP" b="1" i="1" dirty="0" smtClean="0">
                             <a:latin typeface="Cambria Math" panose="02040503050406030204" pitchFamily="18" charset="0"/>
                           </a:rPr>
                         </m:ctrlPr>
@@ -16014,7 +16012,7 @@
                           <a:rPr lang="en-US" altLang="ja-JP" b="1" i="0" dirty="0" smtClean="0">
                             <a:latin typeface="Cambria Math" panose="02040503050406030204" pitchFamily="18" charset="0"/>
                           </a:rPr>
-                          <m:t>𝐪</m:t>
+                          <m:t>𝐩</m:t>
                         </m:r>
                       </m:e>
                       <m:sub>
@@ -16037,7 +16035,7 @@
             </p:txBody>
           </p:sp>
         </mc:Choice>
-        <mc:Fallback>
+        <mc:Fallback xmlns="">
           <p:sp>
             <p:nvSpPr>
               <p:cNvPr id="34" name="正方形/長方形 33">
@@ -17301,8 +17299,8 @@
           </a:p>
         </p:txBody>
       </p:sp>
-      <mc:AlternateContent xmlns:mc="http://schemas.openxmlformats.org/markup-compatibility/2006">
-        <mc:Choice xmlns:a14="http://schemas.microsoft.com/office/drawing/2010/main" Requires="a14">
+      <mc:AlternateContent xmlns:mc="http://schemas.openxmlformats.org/markup-compatibility/2006" xmlns:a14="http://schemas.microsoft.com/office/drawing/2010/main">
+        <mc:Choice Requires="a14">
           <p:sp>
             <p:nvSpPr>
               <p:cNvPr id="21" name="正方形/長方形 20">
@@ -17340,17 +17338,17 @@
                       <m:sSub>
                         <m:sSubPr>
                           <m:ctrlPr>
-                            <a:rPr lang="en-US" altLang="ja-JP" b="1">
+                            <a:rPr lang="en-US" altLang="ja-JP" b="1" i="1" smtClean="0">
                               <a:latin typeface="Cambria Math" panose="02040503050406030204" pitchFamily="18" charset="0"/>
                             </a:rPr>
                           </m:ctrlPr>
                         </m:sSubPr>
                         <m:e>
                           <m:r>
-                            <a:rPr lang="en-US" altLang="ja-JP" b="1" i="0">
+                            <a:rPr lang="en-US" altLang="ja-JP" b="1" i="0" smtClean="0">
                               <a:latin typeface="Cambria Math" panose="02040503050406030204" pitchFamily="18" charset="0"/>
                             </a:rPr>
-                            <m:t>𝐪</m:t>
+                            <m:t>𝐩</m:t>
                           </m:r>
                         </m:e>
                         <m:sub>
@@ -17370,7 +17368,7 @@
             </p:txBody>
           </p:sp>
         </mc:Choice>
-        <mc:Fallback>
+        <mc:Fallback xmlns="">
           <p:sp>
             <p:nvSpPr>
               <p:cNvPr id="21" name="正方形/長方形 20">
@@ -18313,8 +18311,8 @@
           </a:p>
         </p:txBody>
       </p:sp>
-      <mc:AlternateContent xmlns:mc="http://schemas.openxmlformats.org/markup-compatibility/2006">
-        <mc:Choice xmlns:a14="http://schemas.microsoft.com/office/drawing/2010/main" Requires="a14">
+      <mc:AlternateContent xmlns:mc="http://schemas.openxmlformats.org/markup-compatibility/2006" xmlns:a14="http://schemas.microsoft.com/office/drawing/2010/main">
+        <mc:Choice Requires="a14">
           <p:sp>
             <p:nvSpPr>
               <p:cNvPr id="50" name="正方形/長方形 49">
@@ -18347,17 +18345,17 @@
                     <m:sSub>
                       <m:sSubPr>
                         <m:ctrlPr>
-                          <a:rPr lang="en-US" altLang="ja-JP" b="1" smtClean="0">
+                          <a:rPr lang="en-US" altLang="ja-JP" b="1" i="1" smtClean="0">
                             <a:latin typeface="Cambria Math" panose="02040503050406030204" pitchFamily="18" charset="0"/>
                           </a:rPr>
                         </m:ctrlPr>
                       </m:sSubPr>
                       <m:e>
                         <m:r>
-                          <a:rPr lang="en-US" altLang="ja-JP" b="1" i="0">
+                          <a:rPr lang="en-US" altLang="ja-JP" b="1" i="0" smtClean="0">
                             <a:latin typeface="Cambria Math" panose="02040503050406030204" pitchFamily="18" charset="0"/>
                           </a:rPr>
-                          <m:t>𝐪</m:t>
+                          <m:t>𝐩</m:t>
                         </m:r>
                       </m:e>
                       <m:sub>
@@ -18380,7 +18378,7 @@
                     <m:sSub>
                       <m:sSubPr>
                         <m:ctrlPr>
-                          <a:rPr lang="en-US" altLang="ja-JP" b="1" dirty="0" smtClean="0">
+                          <a:rPr lang="en-US" altLang="ja-JP" b="1" i="1" dirty="0" smtClean="0">
                             <a:latin typeface="Cambria Math" panose="02040503050406030204" pitchFamily="18" charset="0"/>
                           </a:rPr>
                         </m:ctrlPr>
@@ -18390,7 +18388,7 @@
                           <a:rPr lang="en-US" altLang="ja-JP" b="1" i="0" dirty="0" smtClean="0">
                             <a:latin typeface="Cambria Math" panose="02040503050406030204" pitchFamily="18" charset="0"/>
                           </a:rPr>
-                          <m:t>𝐪</m:t>
+                          <m:t>𝐩</m:t>
                         </m:r>
                       </m:e>
                       <m:sub>
@@ -18413,7 +18411,7 @@
             </p:txBody>
           </p:sp>
         </mc:Choice>
-        <mc:Fallback>
+        <mc:Fallback xmlns="">
           <p:sp>
             <p:nvSpPr>
               <p:cNvPr id="50" name="正方形/長方形 49">
@@ -19677,8 +19675,8 @@
           </a:p>
         </p:txBody>
       </p:sp>
-      <mc:AlternateContent xmlns:mc="http://schemas.openxmlformats.org/markup-compatibility/2006">
-        <mc:Choice xmlns:a14="http://schemas.microsoft.com/office/drawing/2010/main" Requires="a14">
+      <mc:AlternateContent xmlns:mc="http://schemas.openxmlformats.org/markup-compatibility/2006" xmlns:a14="http://schemas.microsoft.com/office/drawing/2010/main">
+        <mc:Choice Requires="a14">
           <p:sp>
             <p:nvSpPr>
               <p:cNvPr id="21" name="正方形/長方形 20">
@@ -19716,17 +19714,17 @@
                       <m:sSub>
                         <m:sSubPr>
                           <m:ctrlPr>
-                            <a:rPr lang="en-US" altLang="ja-JP" b="1">
+                            <a:rPr lang="en-US" altLang="ja-JP" b="1" i="1" smtClean="0">
                               <a:latin typeface="Cambria Math" panose="02040503050406030204" pitchFamily="18" charset="0"/>
                             </a:rPr>
                           </m:ctrlPr>
                         </m:sSubPr>
                         <m:e>
                           <m:r>
-                            <a:rPr lang="en-US" altLang="ja-JP" b="1" i="0">
+                            <a:rPr lang="en-US" altLang="ja-JP" b="1" i="0" smtClean="0">
                               <a:latin typeface="Cambria Math" panose="02040503050406030204" pitchFamily="18" charset="0"/>
                             </a:rPr>
-                            <m:t>𝐪</m:t>
+                            <m:t>𝐩</m:t>
                           </m:r>
                         </m:e>
                         <m:sub>
@@ -19746,7 +19744,7 @@
             </p:txBody>
           </p:sp>
         </mc:Choice>
-        <mc:Fallback>
+        <mc:Fallback xmlns="">
           <p:sp>
             <p:nvSpPr>
               <p:cNvPr id="21" name="正方形/長方形 20">
@@ -20829,8 +20827,8 @@
           </a:p>
         </p:txBody>
       </p:sp>
-      <mc:AlternateContent xmlns:mc="http://schemas.openxmlformats.org/markup-compatibility/2006">
-        <mc:Choice xmlns:a14="http://schemas.microsoft.com/office/drawing/2010/main" Requires="a14">
+      <mc:AlternateContent xmlns:mc="http://schemas.openxmlformats.org/markup-compatibility/2006" xmlns:a14="http://schemas.microsoft.com/office/drawing/2010/main">
+        <mc:Choice Requires="a14">
           <p:sp>
             <p:nvSpPr>
               <p:cNvPr id="51" name="正方形/長方形 50">
@@ -20863,17 +20861,17 @@
                     <m:sSub>
                       <m:sSubPr>
                         <m:ctrlPr>
-                          <a:rPr lang="en-US" altLang="ja-JP" b="1" smtClean="0">
+                          <a:rPr lang="en-US" altLang="ja-JP" b="1" i="1" smtClean="0">
                             <a:latin typeface="Cambria Math" panose="02040503050406030204" pitchFamily="18" charset="0"/>
                           </a:rPr>
                         </m:ctrlPr>
                       </m:sSubPr>
                       <m:e>
                         <m:r>
-                          <a:rPr lang="en-US" altLang="ja-JP" b="1" i="0">
+                          <a:rPr lang="en-US" altLang="ja-JP" b="1" i="0" smtClean="0">
                             <a:latin typeface="Cambria Math" panose="02040503050406030204" pitchFamily="18" charset="0"/>
                           </a:rPr>
-                          <m:t>𝐪</m:t>
+                          <m:t>𝐩</m:t>
                         </m:r>
                       </m:e>
                       <m:sub>
@@ -20896,7 +20894,7 @@
                     <m:sSub>
                       <m:sSubPr>
                         <m:ctrlPr>
-                          <a:rPr lang="en-US" altLang="ja-JP" b="1" dirty="0" smtClean="0">
+                          <a:rPr lang="en-US" altLang="ja-JP" b="1" i="1" dirty="0" smtClean="0">
                             <a:latin typeface="Cambria Math" panose="02040503050406030204" pitchFamily="18" charset="0"/>
                           </a:rPr>
                         </m:ctrlPr>
@@ -20906,7 +20904,7 @@
                           <a:rPr lang="en-US" altLang="ja-JP" b="1" i="0" dirty="0" smtClean="0">
                             <a:latin typeface="Cambria Math" panose="02040503050406030204" pitchFamily="18" charset="0"/>
                           </a:rPr>
-                          <m:t>𝐪</m:t>
+                          <m:t>𝐩</m:t>
                         </m:r>
                       </m:e>
                       <m:sub>
@@ -20929,7 +20927,7 @@
             </p:txBody>
           </p:sp>
         </mc:Choice>
-        <mc:Fallback>
+        <mc:Fallback xmlns="">
           <p:sp>
             <p:nvSpPr>
               <p:cNvPr id="51" name="正方形/長方形 50">

--- a/path_planning/random_sampling/rrt/rrt.pptx
+++ b/path_planning/random_sampling/rrt/rrt.pptx
@@ -210,7 +210,7 @@
           <a:p>
             <a:fld id="{C05D3741-4BF1-4174-BB12-98FD157D24BE}" type="datetimeFigureOut">
               <a:rPr kumimoji="1" lang="ja-JP" altLang="en-US" smtClean="0"/>
-              <a:t>2020/9/14</a:t>
+              <a:t>2020/11/12</a:t>
             </a:fld>
             <a:endParaRPr kumimoji="1" lang="ja-JP" altLang="en-US"/>
           </a:p>
@@ -375,7 +375,7 @@
           <a:p>
             <a:fld id="{4133F667-6584-408D-AD7E-D18D0869DE33}" type="datetimeFigureOut">
               <a:rPr kumimoji="1" lang="ja-JP" altLang="en-US" smtClean="0"/>
-              <a:t>2020/9/14</a:t>
+              <a:t>2020/11/12</a:t>
             </a:fld>
             <a:endParaRPr kumimoji="1" lang="ja-JP" altLang="en-US"/>
           </a:p>
@@ -1141,7 +1141,7 @@
           <a:p>
             <a:fld id="{58A231F8-05F8-4D04-8D8F-8D36F813C960}" type="datetime1">
               <a:rPr kumimoji="1" lang="ja-JP" altLang="en-US" smtClean="0"/>
-              <a:t>2020/9/14</a:t>
+              <a:t>2020/11/12</a:t>
             </a:fld>
             <a:endParaRPr kumimoji="1" lang="ja-JP" altLang="en-US" dirty="0"/>
           </a:p>
@@ -1629,7 +1629,7 @@
           <a:p>
             <a:fld id="{2EA862FE-B9D9-42A4-9B96-9BF43C1C92F4}" type="datetime1">
               <a:rPr kumimoji="1" lang="ja-JP" altLang="en-US" smtClean="0"/>
-              <a:t>2020/9/14</a:t>
+              <a:t>2020/11/12</a:t>
             </a:fld>
             <a:endParaRPr kumimoji="1" lang="ja-JP" altLang="en-US"/>
           </a:p>
@@ -1918,7 +1918,7 @@
           <a:p>
             <a:fld id="{7EAA7B6B-D7DB-4F50-8363-5CAEA241D462}" type="datetime1">
               <a:rPr kumimoji="1" lang="ja-JP" altLang="en-US" smtClean="0"/>
-              <a:t>2020/9/14</a:t>
+              <a:t>2020/11/12</a:t>
             </a:fld>
             <a:endParaRPr kumimoji="1" lang="ja-JP" altLang="en-US"/>
           </a:p>
@@ -2180,7 +2180,7 @@
           <a:p>
             <a:fld id="{575A211C-F59B-4698-A055-613DBD159966}" type="datetime1">
               <a:rPr kumimoji="1" lang="ja-JP" altLang="en-US" smtClean="0"/>
-              <a:t>2020/9/14</a:t>
+              <a:t>2020/11/12</a:t>
             </a:fld>
             <a:endParaRPr kumimoji="1" lang="ja-JP" altLang="en-US"/>
           </a:p>
@@ -2447,7 +2447,7 @@
           <a:p>
             <a:fld id="{6C64430C-D7C9-451F-BB5A-4067700317EA}" type="datetime1">
               <a:rPr kumimoji="1" lang="ja-JP" altLang="en-US" smtClean="0"/>
-              <a:t>2020/9/14</a:t>
+              <a:t>2020/11/12</a:t>
             </a:fld>
             <a:endParaRPr kumimoji="1" lang="ja-JP" altLang="en-US"/>
           </a:p>
@@ -2818,7 +2818,7 @@
           <a:p>
             <a:fld id="{3BA0A93C-43D0-4C25-A999-C90A412EB384}" type="datetime1">
               <a:rPr kumimoji="1" lang="ja-JP" altLang="en-US" smtClean="0"/>
-              <a:t>2020/9/14</a:t>
+              <a:t>2020/11/12</a:t>
             </a:fld>
             <a:endParaRPr kumimoji="1" lang="ja-JP" altLang="en-US"/>
           </a:p>
@@ -3343,7 +3343,7 @@
           <a:p>
             <a:fld id="{17080468-DCD8-4552-92F2-26A66A1920AE}" type="datetime1">
               <a:rPr kumimoji="1" lang="ja-JP" altLang="en-US" smtClean="0"/>
-              <a:t>2020/9/14</a:t>
+              <a:t>2020/11/12</a:t>
             </a:fld>
             <a:endParaRPr kumimoji="1" lang="ja-JP" altLang="en-US"/>
           </a:p>
@@ -3709,7 +3709,7 @@
           <a:p>
             <a:fld id="{CF0BF97F-6A36-45BD-B261-185AD2EFD4F1}" type="datetime1">
               <a:rPr kumimoji="1" lang="ja-JP" altLang="en-US" smtClean="0"/>
-              <a:t>2020/9/14</a:t>
+              <a:t>2020/11/12</a:t>
             </a:fld>
             <a:endParaRPr kumimoji="1" lang="ja-JP" altLang="en-US"/>
           </a:p>
@@ -4195,7 +4195,7 @@
           <a:p>
             <a:fld id="{E187A37F-063B-4BF2-AE47-16D6CC460300}" type="datetime1">
               <a:rPr kumimoji="1" lang="ja-JP" altLang="en-US" smtClean="0"/>
-              <a:t>2020/9/14</a:t>
+              <a:t>2020/11/12</a:t>
             </a:fld>
             <a:endParaRPr kumimoji="1" lang="ja-JP" altLang="en-US"/>
           </a:p>
@@ -4290,7 +4290,7 @@
           <a:p>
             <a:fld id="{37A6803A-338A-4D1E-9AEA-3938A412C9D0}" type="datetime1">
               <a:rPr kumimoji="1" lang="ja-JP" altLang="en-US" smtClean="0"/>
-              <a:t>2020/9/14</a:t>
+              <a:t>2020/11/12</a:t>
             </a:fld>
             <a:endParaRPr kumimoji="1" lang="ja-JP" altLang="en-US"/>
           </a:p>
@@ -4452,7 +4452,7 @@
           <a:p>
             <a:fld id="{176F41DB-9FE4-4BC2-AA18-F04C127911AB}" type="datetime1">
               <a:rPr kumimoji="1" lang="ja-JP" altLang="en-US" smtClean="0"/>
-              <a:t>2020/9/14</a:t>
+              <a:t>2020/11/12</a:t>
             </a:fld>
             <a:endParaRPr kumimoji="1" lang="ja-JP" altLang="en-US"/>
           </a:p>
@@ -4547,7 +4547,7 @@
           <a:p>
             <a:fld id="{176F41DB-9FE4-4BC2-AA18-F04C127911AB}" type="datetime1">
               <a:rPr kumimoji="1" lang="ja-JP" altLang="en-US" smtClean="0"/>
-              <a:t>2020/9/14</a:t>
+              <a:t>2020/11/12</a:t>
             </a:fld>
             <a:endParaRPr kumimoji="1" lang="ja-JP" altLang="en-US"/>
           </a:p>
@@ -4856,7 +4856,7 @@
           <a:p>
             <a:fld id="{DB38D941-B664-458C-B9FE-B4BFA20B7DB2}" type="datetime1">
               <a:rPr kumimoji="1" lang="ja-JP" altLang="en-US" smtClean="0"/>
-              <a:t>2020/9/14</a:t>
+              <a:t>2020/11/12</a:t>
             </a:fld>
             <a:endParaRPr kumimoji="1" lang="ja-JP" altLang="en-US"/>
           </a:p>
@@ -9381,53 +9381,6 @@
           <a:xfrm flipH="1">
             <a:off x="3360647" y="2273036"/>
             <a:ext cx="1590037" cy="2515768"/>
-          </a:xfrm>
-          <a:prstGeom prst="straightConnector1">
-            <a:avLst/>
-          </a:prstGeom>
-          <a:ln w="28575">
-            <a:solidFill>
-              <a:schemeClr val="tx1"/>
-            </a:solidFill>
-            <a:headEnd type="triangle"/>
-            <a:tailEnd type="triangle"/>
-          </a:ln>
-        </p:spPr>
-        <p:style>
-          <a:lnRef idx="1">
-            <a:schemeClr val="accent1"/>
-          </a:lnRef>
-          <a:fillRef idx="0">
-            <a:schemeClr val="accent1"/>
-          </a:fillRef>
-          <a:effectRef idx="0">
-            <a:schemeClr val="accent1"/>
-          </a:effectRef>
-          <a:fontRef idx="minor">
-            <a:schemeClr val="tx1"/>
-          </a:fontRef>
-        </p:style>
-      </p:cxnSp>
-      <p:cxnSp>
-        <p:nvCxnSpPr>
-          <p:cNvPr id="35" name="直線矢印コネクタ 34">
-            <a:extLst>
-              <a:ext uri="{FF2B5EF4-FFF2-40B4-BE49-F238E27FC236}">
-                <a16:creationId xmlns:a16="http://schemas.microsoft.com/office/drawing/2014/main" id="{4DB7906D-C13B-4D9C-B29F-1D566B933E1C}"/>
-              </a:ext>
-            </a:extLst>
-          </p:cNvPr>
-          <p:cNvCxnSpPr>
-            <a:cxnSpLocks/>
-            <a:stCxn id="13" idx="5"/>
-            <a:endCxn id="6" idx="2"/>
-          </p:cNvCxnSpPr>
-          <p:nvPr/>
-        </p:nvCxnSpPr>
-        <p:spPr>
-          <a:xfrm>
-            <a:off x="5111720" y="2273036"/>
-            <a:ext cx="2101347" cy="179714"/>
           </a:xfrm>
           <a:prstGeom prst="straightConnector1">
             <a:avLst/>
